--- a/Werk en skills.pptx
+++ b/Werk en skills.pptx
@@ -12,7 +12,10 @@
     <p:sldId id="260" r:id="rId6"/>
     <p:sldId id="261" r:id="rId7"/>
     <p:sldId id="262" r:id="rId8"/>
-    <p:sldId id="263" r:id="rId9"/>
+    <p:sldId id="264" r:id="rId9"/>
+    <p:sldId id="263" r:id="rId10"/>
+    <p:sldId id="265" r:id="rId11"/>
+    <p:sldId id="266" r:id="rId12"/>
   </p:sldIdLst>
   <p:sldSz cx="9144000" cy="6858000" type="screen4x3"/>
   <p:notesSz cx="6858000" cy="9144000"/>
@@ -295,7 +298,7 @@
           <a:p>
             <a:fld id="{CEF327A2-9E67-40BF-AA8A-CE9DE450455A}" type="datetimeFigureOut">
               <a:rPr lang="nl-NL" smtClean="0"/>
-              <a:t>4-12-2018</a:t>
+              <a:t>5-12-2018</a:t>
             </a:fld>
             <a:endParaRPr lang="nl-NL"/>
           </a:p>
@@ -465,7 +468,7 @@
           <a:p>
             <a:fld id="{CEF327A2-9E67-40BF-AA8A-CE9DE450455A}" type="datetimeFigureOut">
               <a:rPr lang="nl-NL" smtClean="0"/>
-              <a:t>4-12-2018</a:t>
+              <a:t>5-12-2018</a:t>
             </a:fld>
             <a:endParaRPr lang="nl-NL"/>
           </a:p>
@@ -645,7 +648,7 @@
           <a:p>
             <a:fld id="{CEF327A2-9E67-40BF-AA8A-CE9DE450455A}" type="datetimeFigureOut">
               <a:rPr lang="nl-NL" smtClean="0"/>
-              <a:t>4-12-2018</a:t>
+              <a:t>5-12-2018</a:t>
             </a:fld>
             <a:endParaRPr lang="nl-NL"/>
           </a:p>
@@ -815,7 +818,7 @@
           <a:p>
             <a:fld id="{CEF327A2-9E67-40BF-AA8A-CE9DE450455A}" type="datetimeFigureOut">
               <a:rPr lang="nl-NL" smtClean="0"/>
-              <a:t>4-12-2018</a:t>
+              <a:t>5-12-2018</a:t>
             </a:fld>
             <a:endParaRPr lang="nl-NL"/>
           </a:p>
@@ -1061,7 +1064,7 @@
           <a:p>
             <a:fld id="{CEF327A2-9E67-40BF-AA8A-CE9DE450455A}" type="datetimeFigureOut">
               <a:rPr lang="nl-NL" smtClean="0"/>
-              <a:t>4-12-2018</a:t>
+              <a:t>5-12-2018</a:t>
             </a:fld>
             <a:endParaRPr lang="nl-NL"/>
           </a:p>
@@ -1349,7 +1352,7 @@
           <a:p>
             <a:fld id="{CEF327A2-9E67-40BF-AA8A-CE9DE450455A}" type="datetimeFigureOut">
               <a:rPr lang="nl-NL" smtClean="0"/>
-              <a:t>4-12-2018</a:t>
+              <a:t>5-12-2018</a:t>
             </a:fld>
             <a:endParaRPr lang="nl-NL"/>
           </a:p>
@@ -1771,7 +1774,7 @@
           <a:p>
             <a:fld id="{CEF327A2-9E67-40BF-AA8A-CE9DE450455A}" type="datetimeFigureOut">
               <a:rPr lang="nl-NL" smtClean="0"/>
-              <a:t>4-12-2018</a:t>
+              <a:t>5-12-2018</a:t>
             </a:fld>
             <a:endParaRPr lang="nl-NL"/>
           </a:p>
@@ -1889,7 +1892,7 @@
           <a:p>
             <a:fld id="{CEF327A2-9E67-40BF-AA8A-CE9DE450455A}" type="datetimeFigureOut">
               <a:rPr lang="nl-NL" smtClean="0"/>
-              <a:t>4-12-2018</a:t>
+              <a:t>5-12-2018</a:t>
             </a:fld>
             <a:endParaRPr lang="nl-NL"/>
           </a:p>
@@ -1984,7 +1987,7 @@
           <a:p>
             <a:fld id="{CEF327A2-9E67-40BF-AA8A-CE9DE450455A}" type="datetimeFigureOut">
               <a:rPr lang="nl-NL" smtClean="0"/>
-              <a:t>4-12-2018</a:t>
+              <a:t>5-12-2018</a:t>
             </a:fld>
             <a:endParaRPr lang="nl-NL"/>
           </a:p>
@@ -2261,7 +2264,7 @@
           <a:p>
             <a:fld id="{CEF327A2-9E67-40BF-AA8A-CE9DE450455A}" type="datetimeFigureOut">
               <a:rPr lang="nl-NL" smtClean="0"/>
-              <a:t>4-12-2018</a:t>
+              <a:t>5-12-2018</a:t>
             </a:fld>
             <a:endParaRPr lang="nl-NL"/>
           </a:p>
@@ -2514,7 +2517,7 @@
           <a:p>
             <a:fld id="{CEF327A2-9E67-40BF-AA8A-CE9DE450455A}" type="datetimeFigureOut">
               <a:rPr lang="nl-NL" smtClean="0"/>
-              <a:t>4-12-2018</a:t>
+              <a:t>5-12-2018</a:t>
             </a:fld>
             <a:endParaRPr lang="nl-NL"/>
           </a:p>
@@ -2727,7 +2730,7 @@
           <a:p>
             <a:fld id="{CEF327A2-9E67-40BF-AA8A-CE9DE450455A}" type="datetimeFigureOut">
               <a:rPr lang="nl-NL" smtClean="0"/>
-              <a:t>4-12-2018</a:t>
+              <a:t>5-12-2018</a:t>
             </a:fld>
             <a:endParaRPr lang="nl-NL"/>
           </a:p>
@@ -3181,26 +3184,22 @@
           </a:p>
           <a:p>
             <a:r>
+              <a:rPr lang="sv-SE" sz="1600" dirty="0" smtClean="0">
+                <a:latin typeface="Arial"/>
+              </a:rPr>
+              <a:t>Hans Tacken</a:t>
+            </a:r>
+          </a:p>
+          <a:p>
+            <a:r>
               <a:rPr lang="sv-SE" sz="1600" dirty="0">
                 <a:latin typeface="Arial"/>
               </a:rPr>
               <a:t>Driss Taibi</a:t>
             </a:r>
-            <a:endParaRPr lang="sv-SE" sz="1600" dirty="0" smtClean="0"/>
-          </a:p>
-          <a:p>
-            <a:r>
-              <a:rPr lang="sv-SE" sz="1600" dirty="0">
-                <a:latin typeface="Arial"/>
-              </a:rPr>
-              <a:t>Hans </a:t>
-            </a:r>
-            <a:r>
-              <a:rPr lang="sv-SE" sz="1600" dirty="0" smtClean="0">
-                <a:latin typeface="Arial"/>
-              </a:rPr>
-              <a:t>Tacken</a:t>
-            </a:r>
+            <a:endParaRPr lang="sv-SE" sz="1600" dirty="0"/>
+          </a:p>
+          <a:p>
             <a:endParaRPr lang="sv-SE" sz="1600" dirty="0" smtClean="0"/>
           </a:p>
         </p:txBody>
@@ -3255,6 +3254,381 @@
 </p:sld>
 </file>
 
+<file path=ppt/slides/slide10.xml><?xml version="1.0" encoding="utf-8"?>
+<p:sld xmlns:a="http://schemas.openxmlformats.org/drawingml/2006/main" xmlns:r="http://schemas.openxmlformats.org/officeDocument/2006/relationships" xmlns:p="http://schemas.openxmlformats.org/presentationml/2006/main">
+  <p:cSld>
+    <p:spTree>
+      <p:nvGrpSpPr>
+        <p:cNvPr id="1" name=""/>
+        <p:cNvGrpSpPr/>
+        <p:nvPr/>
+      </p:nvGrpSpPr>
+      <p:grpSpPr>
+        <a:xfrm>
+          <a:off x="0" y="0"/>
+          <a:ext cx="0" cy="0"/>
+          <a:chOff x="0" y="0"/>
+          <a:chExt cx="0" cy="0"/>
+        </a:xfrm>
+      </p:grpSpPr>
+      <p:sp>
+        <p:nvSpPr>
+          <p:cNvPr id="2" name="Title 1"/>
+          <p:cNvSpPr>
+            <a:spLocks noGrp="1"/>
+          </p:cNvSpPr>
+          <p:nvPr>
+            <p:ph type="title"/>
+          </p:nvPr>
+        </p:nvSpPr>
+        <p:spPr/>
+        <p:txBody>
+          <a:bodyPr/>
+          <a:lstStyle/>
+          <a:p>
+            <a:r>
+              <a:rPr lang="nl-NL" dirty="0" smtClean="0">
+                <a:solidFill>
+                  <a:schemeClr val="tx2">
+                    <a:lumMod val="60000"/>
+                    <a:lumOff val="40000"/>
+                  </a:schemeClr>
+                </a:solidFill>
+              </a:rPr>
+              <a:t>Conclusie</a:t>
+            </a:r>
+            <a:endParaRPr lang="nl-NL" dirty="0">
+              <a:solidFill>
+                <a:schemeClr val="tx2">
+                  <a:lumMod val="60000"/>
+                  <a:lumOff val="40000"/>
+                </a:schemeClr>
+              </a:solidFill>
+            </a:endParaRPr>
+          </a:p>
+        </p:txBody>
+      </p:sp>
+      <p:sp>
+        <p:nvSpPr>
+          <p:cNvPr id="3" name="Content Placeholder 2"/>
+          <p:cNvSpPr>
+            <a:spLocks noGrp="1"/>
+          </p:cNvSpPr>
+          <p:nvPr>
+            <p:ph idx="1"/>
+          </p:nvPr>
+        </p:nvSpPr>
+        <p:spPr/>
+        <p:txBody>
+          <a:bodyPr>
+            <a:normAutofit/>
+          </a:bodyPr>
+          <a:lstStyle/>
+          <a:p>
+            <a:r>
+              <a:rPr lang="nl-NL" sz="1800" dirty="0" smtClean="0">
+                <a:solidFill>
+                  <a:schemeClr val="tx2">
+                    <a:lumMod val="60000"/>
+                    <a:lumOff val="40000"/>
+                  </a:schemeClr>
+                </a:solidFill>
+              </a:rPr>
+              <a:t>Het model geeft keurig inzicht in de meest gevraagde skills op dit moment. Doel is om trends te kunnen signaleren en daarop acteren. Daarvoor is history opbouw nodig.</a:t>
+            </a:r>
+          </a:p>
+          <a:p>
+            <a:r>
+              <a:rPr lang="nl-NL" sz="1800" dirty="0" smtClean="0">
+                <a:solidFill>
+                  <a:schemeClr val="tx2">
+                    <a:lumMod val="60000"/>
+                    <a:lumOff val="40000"/>
+                  </a:schemeClr>
+                </a:solidFill>
+              </a:rPr>
+              <a:t>Henk kan nu gemakkelijk zien welke skillsets het meest in trek zijn en zich beter op de markt positioneren.</a:t>
+            </a:r>
+          </a:p>
+          <a:p>
+            <a:r>
+              <a:rPr lang="nl-NL" sz="1800" dirty="0" smtClean="0">
+                <a:solidFill>
+                  <a:schemeClr val="tx2">
+                    <a:lumMod val="60000"/>
+                    <a:lumOff val="40000"/>
+                  </a:schemeClr>
+                </a:solidFill>
+              </a:rPr>
+              <a:t>Patrick ziet nu beter op welke skillsets hij zich marketing technisch het beste op kan focussen.</a:t>
+            </a:r>
+          </a:p>
+          <a:p>
+            <a:r>
+              <a:rPr lang="nl-NL" sz="1800" dirty="0" smtClean="0">
+                <a:solidFill>
+                  <a:schemeClr val="tx2">
+                    <a:lumMod val="60000"/>
+                    <a:lumOff val="40000"/>
+                  </a:schemeClr>
+                </a:solidFill>
+              </a:rPr>
+              <a:t>Hans en Driss hebben een plezierige reis gehad bij het uitwerken van deze opdracht!</a:t>
+            </a:r>
+            <a:endParaRPr lang="nl-NL" sz="1800" dirty="0">
+              <a:solidFill>
+                <a:schemeClr val="tx2">
+                  <a:lumMod val="60000"/>
+                  <a:lumOff val="40000"/>
+                </a:schemeClr>
+              </a:solidFill>
+            </a:endParaRPr>
+          </a:p>
+        </p:txBody>
+      </p:sp>
+    </p:spTree>
+    <p:extLst>
+      <p:ext uri="{BB962C8B-B14F-4D97-AF65-F5344CB8AC3E}">
+        <p14:creationId xmlns:p14="http://schemas.microsoft.com/office/powerpoint/2010/main" val="2881542776"/>
+      </p:ext>
+    </p:extLst>
+  </p:cSld>
+  <p:clrMapOvr>
+    <a:masterClrMapping/>
+  </p:clrMapOvr>
+</p:sld>
+</file>
+
+<file path=ppt/slides/slide11.xml><?xml version="1.0" encoding="utf-8"?>
+<p:sld xmlns:a="http://schemas.openxmlformats.org/drawingml/2006/main" xmlns:r="http://schemas.openxmlformats.org/officeDocument/2006/relationships" xmlns:p="http://schemas.openxmlformats.org/presentationml/2006/main">
+  <p:cSld>
+    <p:spTree>
+      <p:nvGrpSpPr>
+        <p:cNvPr id="1" name=""/>
+        <p:cNvGrpSpPr/>
+        <p:nvPr/>
+      </p:nvGrpSpPr>
+      <p:grpSpPr>
+        <a:xfrm>
+          <a:off x="0" y="0"/>
+          <a:ext cx="0" cy="0"/>
+          <a:chOff x="0" y="0"/>
+          <a:chExt cx="0" cy="0"/>
+        </a:xfrm>
+      </p:grpSpPr>
+      <p:sp>
+        <p:nvSpPr>
+          <p:cNvPr id="2" name="Title 1"/>
+          <p:cNvSpPr>
+            <a:spLocks noGrp="1"/>
+          </p:cNvSpPr>
+          <p:nvPr>
+            <p:ph type="title"/>
+          </p:nvPr>
+        </p:nvSpPr>
+        <p:spPr/>
+        <p:txBody>
+          <a:bodyPr/>
+          <a:lstStyle/>
+          <a:p>
+            <a:r>
+              <a:rPr lang="nl-NL" dirty="0" smtClean="0">
+                <a:solidFill>
+                  <a:schemeClr val="tx2">
+                    <a:lumMod val="60000"/>
+                    <a:lumOff val="40000"/>
+                  </a:schemeClr>
+                </a:solidFill>
+              </a:rPr>
+              <a:t>Links en info</a:t>
+            </a:r>
+            <a:endParaRPr lang="nl-NL" dirty="0">
+              <a:solidFill>
+                <a:schemeClr val="tx2">
+                  <a:lumMod val="60000"/>
+                  <a:lumOff val="40000"/>
+                </a:schemeClr>
+              </a:solidFill>
+            </a:endParaRPr>
+          </a:p>
+        </p:txBody>
+      </p:sp>
+      <p:sp>
+        <p:nvSpPr>
+          <p:cNvPr id="3" name="Content Placeholder 2"/>
+          <p:cNvSpPr>
+            <a:spLocks noGrp="1"/>
+          </p:cNvSpPr>
+          <p:nvPr>
+            <p:ph idx="1"/>
+          </p:nvPr>
+        </p:nvSpPr>
+        <p:spPr/>
+        <p:txBody>
+          <a:bodyPr>
+            <a:normAutofit/>
+          </a:bodyPr>
+          <a:lstStyle/>
+          <a:p>
+            <a:r>
+              <a:rPr lang="nl-NL" sz="1800" dirty="0">
+                <a:solidFill>
+                  <a:schemeClr val="tx2">
+                    <a:lumMod val="60000"/>
+                    <a:lumOff val="40000"/>
+                  </a:schemeClr>
+                </a:solidFill>
+              </a:rPr>
+              <a:t>Code en data zijn te vinden op: </a:t>
+            </a:r>
+            <a:r>
+              <a:rPr lang="nl-NL" sz="1800" dirty="0">
+                <a:solidFill>
+                  <a:schemeClr val="tx2">
+                    <a:lumMod val="60000"/>
+                    <a:lumOff val="40000"/>
+                  </a:schemeClr>
+                </a:solidFill>
+                <a:hlinkClick r:id="rId2"/>
+              </a:rPr>
+              <a:t>https://</a:t>
+            </a:r>
+            <a:r>
+              <a:rPr lang="nl-NL" sz="1800" dirty="0" smtClean="0">
+                <a:solidFill>
+                  <a:schemeClr val="tx2">
+                    <a:lumMod val="60000"/>
+                    <a:lumOff val="40000"/>
+                  </a:schemeClr>
+                </a:solidFill>
+                <a:hlinkClick r:id="rId2"/>
+              </a:rPr>
+              <a:t>github.com/drisstaibi/cdsp_opdracht</a:t>
+            </a:r>
+            <a:endParaRPr lang="nl-NL" sz="1800" dirty="0" smtClean="0">
+              <a:solidFill>
+                <a:schemeClr val="tx2">
+                  <a:lumMod val="60000"/>
+                  <a:lumOff val="40000"/>
+                </a:schemeClr>
+              </a:solidFill>
+            </a:endParaRPr>
+          </a:p>
+          <a:p>
+            <a:r>
+              <a:rPr lang="nl-NL" sz="1800" dirty="0">
+                <a:solidFill>
+                  <a:schemeClr val="tx2">
+                    <a:lumMod val="60000"/>
+                    <a:lumOff val="40000"/>
+                  </a:schemeClr>
+                </a:solidFill>
+              </a:rPr>
+              <a:t>De originele code afkomstig van: </a:t>
+            </a:r>
+            <a:r>
+              <a:rPr lang="nl-NL" sz="1800" dirty="0">
+                <a:solidFill>
+                  <a:schemeClr val="tx2">
+                    <a:lumMod val="60000"/>
+                    <a:lumOff val="40000"/>
+                  </a:schemeClr>
+                </a:solidFill>
+                <a:hlinkClick r:id="rId3"/>
+              </a:rPr>
+              <a:t>https://www.machinelearningplus.com/nlp/topic-modeling-python-sklearn-examples</a:t>
+            </a:r>
+            <a:r>
+              <a:rPr lang="nl-NL" sz="1800" dirty="0" smtClean="0">
+                <a:solidFill>
+                  <a:schemeClr val="tx2">
+                    <a:lumMod val="60000"/>
+                    <a:lumOff val="40000"/>
+                  </a:schemeClr>
+                </a:solidFill>
+                <a:hlinkClick r:id="rId3"/>
+              </a:rPr>
+              <a:t>/</a:t>
+            </a:r>
+            <a:endParaRPr lang="nl-NL" sz="1800" dirty="0" smtClean="0">
+              <a:solidFill>
+                <a:schemeClr val="tx2">
+                  <a:lumMod val="60000"/>
+                  <a:lumOff val="40000"/>
+                </a:schemeClr>
+              </a:solidFill>
+            </a:endParaRPr>
+          </a:p>
+          <a:p>
+            <a:r>
+              <a:rPr lang="nl-NL" sz="1800" dirty="0">
+                <a:solidFill>
+                  <a:schemeClr val="tx2">
+                    <a:lumMod val="60000"/>
+                    <a:lumOff val="40000"/>
+                  </a:schemeClr>
+                </a:solidFill>
+              </a:rPr>
+              <a:t>Word2vec uitleg: </a:t>
+            </a:r>
+            <a:r>
+              <a:rPr lang="nl-NL" sz="1800" dirty="0">
+                <a:solidFill>
+                  <a:schemeClr val="tx2">
+                    <a:lumMod val="60000"/>
+                    <a:lumOff val="40000"/>
+                  </a:schemeClr>
+                </a:solidFill>
+                <a:hlinkClick r:id="rId4"/>
+              </a:rPr>
+              <a:t>http://</a:t>
+            </a:r>
+            <a:r>
+              <a:rPr lang="nl-NL" sz="1800" dirty="0" smtClean="0">
+                <a:solidFill>
+                  <a:schemeClr val="tx2">
+                    <a:lumMod val="60000"/>
+                    <a:lumOff val="40000"/>
+                  </a:schemeClr>
+                </a:solidFill>
+                <a:hlinkClick r:id="rId4"/>
+              </a:rPr>
+              <a:t>www.yseam.com/blog/WV.html</a:t>
+            </a:r>
+            <a:endParaRPr lang="nl-NL" sz="1800" dirty="0" smtClean="0">
+              <a:solidFill>
+                <a:schemeClr val="tx2">
+                  <a:lumMod val="60000"/>
+                  <a:lumOff val="40000"/>
+                </a:schemeClr>
+              </a:solidFill>
+            </a:endParaRPr>
+          </a:p>
+          <a:p>
+            <a:endParaRPr lang="nl-NL" sz="1800" dirty="0">
+              <a:solidFill>
+                <a:schemeClr val="tx2">
+                  <a:lumMod val="60000"/>
+                  <a:lumOff val="40000"/>
+                </a:schemeClr>
+              </a:solidFill>
+            </a:endParaRPr>
+          </a:p>
+        </p:txBody>
+      </p:sp>
+    </p:spTree>
+    <p:extLst>
+      <p:ext uri="{BB962C8B-B14F-4D97-AF65-F5344CB8AC3E}">
+        <p14:creationId xmlns:p14="http://schemas.microsoft.com/office/powerpoint/2010/main" val="1251650928"/>
+      </p:ext>
+    </p:extLst>
+  </p:cSld>
+  <p:clrMapOvr>
+    <a:masterClrMapping/>
+  </p:clrMapOvr>
+</p:sld>
+</file>
+
 <file path=ppt/slides/slide2.xml><?xml version="1.0" encoding="utf-8"?>
 <p:sld xmlns:a="http://schemas.openxmlformats.org/drawingml/2006/main" xmlns:r="http://schemas.openxmlformats.org/officeDocument/2006/relationships" xmlns:p="http://schemas.openxmlformats.org/presentationml/2006/main">
   <p:cSld>
@@ -4033,14 +4407,6 @@
               </a:rPr>
               <a:t>De code die in Python is geschreven was een lange weg van schrijven en herschrijven maar is uiteindelijk gelukt. En voor dit bedanken wij Selva Prabhakaran. </a:t>
             </a:r>
-            <a:endParaRPr lang="nl-NL" dirty="0" smtClean="0">
-              <a:solidFill>
-                <a:schemeClr val="tx2">
-                  <a:lumMod val="60000"/>
-                  <a:lumOff val="40000"/>
-                </a:schemeClr>
-              </a:solidFill>
-            </a:endParaRPr>
           </a:p>
         </p:txBody>
       </p:sp>
@@ -4156,7 +4522,7 @@
         <p:spPr>
           <a:xfrm>
             <a:off x="1191056" y="1774415"/>
-            <a:ext cx="3607256" cy="923330"/>
+            <a:ext cx="3607256" cy="1754326"/>
           </a:xfrm>
           <a:prstGeom prst="rect">
             <a:avLst/>
@@ -4199,7 +4565,41 @@
                   </a:schemeClr>
                 </a:solidFill>
               </a:rPr>
-              <a:t> gebruikt hebben, heeft alle ingrediënten om het model direct in actie te zien.</a:t>
+              <a:t> gebruikt hebben, heeft alle ingrediënten om het model direct in actie te zien</a:t>
+            </a:r>
+            <a:r>
+              <a:rPr lang="nl-NL" dirty="0" smtClean="0">
+                <a:solidFill>
+                  <a:schemeClr val="tx2">
+                    <a:lumMod val="60000"/>
+                    <a:lumOff val="40000"/>
+                  </a:schemeClr>
+                </a:solidFill>
+              </a:rPr>
+              <a:t>.</a:t>
+            </a:r>
+          </a:p>
+          <a:p>
+            <a:endParaRPr lang="nl-NL" dirty="0">
+              <a:solidFill>
+                <a:schemeClr val="tx2">
+                  <a:lumMod val="60000"/>
+                  <a:lumOff val="40000"/>
+                </a:schemeClr>
+              </a:solidFill>
+            </a:endParaRPr>
+          </a:p>
+          <a:p>
+            <a:r>
+              <a:rPr lang="nl-NL" dirty="0" smtClean="0">
+                <a:solidFill>
+                  <a:schemeClr val="tx2">
+                    <a:lumMod val="60000"/>
+                    <a:lumOff val="40000"/>
+                  </a:schemeClr>
+                </a:solidFill>
+              </a:rPr>
+              <a:t>We zullen nu de gebruikte code uitleggen en in werking zien.</a:t>
             </a:r>
           </a:p>
         </p:txBody>
@@ -4251,31 +4651,297 @@
             <p:ph type="title"/>
           </p:nvPr>
         </p:nvSpPr>
+        <p:spPr>
+          <a:xfrm>
+            <a:off x="467544" y="2708920"/>
+            <a:ext cx="8229600" cy="1143000"/>
+          </a:xfrm>
+        </p:spPr>
+        <p:txBody>
+          <a:bodyPr/>
+          <a:lstStyle/>
+          <a:p>
+            <a:r>
+              <a:rPr lang="nl-NL" dirty="0" smtClean="0">
+                <a:solidFill>
+                  <a:schemeClr val="tx2">
+                    <a:lumMod val="60000"/>
+                    <a:lumOff val="40000"/>
+                  </a:schemeClr>
+                </a:solidFill>
+              </a:rPr>
+              <a:t>Tijd voor een demo!</a:t>
+            </a:r>
+            <a:endParaRPr lang="nl-NL" dirty="0">
+              <a:solidFill>
+                <a:schemeClr val="tx2">
+                  <a:lumMod val="60000"/>
+                  <a:lumOff val="40000"/>
+                </a:schemeClr>
+              </a:solidFill>
+            </a:endParaRPr>
+          </a:p>
+        </p:txBody>
+      </p:sp>
+    </p:spTree>
+    <p:extLst>
+      <p:ext uri="{BB962C8B-B14F-4D97-AF65-F5344CB8AC3E}">
+        <p14:creationId xmlns:p14="http://schemas.microsoft.com/office/powerpoint/2010/main" val="1946277454"/>
+      </p:ext>
+    </p:extLst>
+  </p:cSld>
+  <p:clrMapOvr>
+    <a:masterClrMapping/>
+  </p:clrMapOvr>
+  <p:timing>
+    <p:tnLst>
+      <p:par>
+        <p:cTn id="1" dur="indefinite" restart="never" nodeType="tmRoot"/>
+      </p:par>
+    </p:tnLst>
+  </p:timing>
+</p:sld>
+</file>
+
+<file path=ppt/slides/slide9.xml><?xml version="1.0" encoding="utf-8"?>
+<p:sld xmlns:a="http://schemas.openxmlformats.org/drawingml/2006/main" xmlns:r="http://schemas.openxmlformats.org/officeDocument/2006/relationships" xmlns:p="http://schemas.openxmlformats.org/presentationml/2006/main">
+  <p:cSld>
+    <p:spTree>
+      <p:nvGrpSpPr>
+        <p:cNvPr id="1" name=""/>
+        <p:cNvGrpSpPr/>
+        <p:nvPr/>
+      </p:nvGrpSpPr>
+      <p:grpSpPr>
+        <a:xfrm>
+          <a:off x="0" y="0"/>
+          <a:ext cx="0" cy="0"/>
+          <a:chOff x="0" y="0"/>
+          <a:chExt cx="0" cy="0"/>
+        </a:xfrm>
+      </p:grpSpPr>
+      <p:sp>
+        <p:nvSpPr>
+          <p:cNvPr id="2" name="Title 1"/>
+          <p:cNvSpPr>
+            <a:spLocks noGrp="1"/>
+          </p:cNvSpPr>
+          <p:nvPr>
+            <p:ph type="title"/>
+          </p:nvPr>
+        </p:nvSpPr>
         <p:spPr/>
         <p:txBody>
           <a:bodyPr/>
           <a:lstStyle/>
           <a:p>
-            <a:endParaRPr lang="nl-NL"/>
-          </a:p>
-        </p:txBody>
-      </p:sp>
-      <p:sp>
-        <p:nvSpPr>
-          <p:cNvPr id="3" name="Content Placeholder 2"/>
-          <p:cNvSpPr>
-            <a:spLocks noGrp="1"/>
-          </p:cNvSpPr>
+            <a:r>
+              <a:rPr lang="nl-NL" dirty="0" smtClean="0">
+                <a:solidFill>
+                  <a:schemeClr val="tx2">
+                    <a:lumMod val="60000"/>
+                    <a:lumOff val="40000"/>
+                  </a:schemeClr>
+                </a:solidFill>
+              </a:rPr>
+              <a:t>Verbeterpunten</a:t>
+            </a:r>
+            <a:endParaRPr lang="nl-NL" dirty="0">
+              <a:solidFill>
+                <a:schemeClr val="tx2">
+                  <a:lumMod val="60000"/>
+                  <a:lumOff val="40000"/>
+                </a:schemeClr>
+              </a:solidFill>
+            </a:endParaRPr>
+          </a:p>
+        </p:txBody>
+      </p:sp>
+      <p:pic>
+        <p:nvPicPr>
+          <p:cNvPr id="4" name="Content Placeholder 3"/>
+          <p:cNvPicPr>
+            <a:picLocks noGrp="1" noChangeAspect="1"/>
+          </p:cNvPicPr>
           <p:nvPr>
             <p:ph idx="1"/>
           </p:nvPr>
-        </p:nvSpPr>
-        <p:spPr/>
-        <p:txBody>
-          <a:bodyPr/>
-          <a:lstStyle/>
-          <a:p>
-            <a:endParaRPr lang="nl-NL" dirty="0"/>
+        </p:nvPicPr>
+        <p:blipFill>
+          <a:blip r:embed="rId2" cstate="print">
+            <a:extLst>
+              <a:ext uri="{28A0092B-C50C-407E-A947-70E740481C1C}">
+                <a14:useLocalDpi xmlns:a14="http://schemas.microsoft.com/office/drawing/2010/main" val="0"/>
+              </a:ext>
+            </a:extLst>
+          </a:blip>
+          <a:stretch>
+            <a:fillRect/>
+          </a:stretch>
+        </p:blipFill>
+        <p:spPr>
+          <a:xfrm>
+            <a:off x="5004048" y="1412776"/>
+            <a:ext cx="3048000" cy="2286000"/>
+          </a:xfrm>
+        </p:spPr>
+      </p:pic>
+      <p:sp>
+        <p:nvSpPr>
+          <p:cNvPr id="5" name="TextBox 4"/>
+          <p:cNvSpPr txBox="1"/>
+          <p:nvPr/>
+        </p:nvSpPr>
+        <p:spPr>
+          <a:xfrm>
+            <a:off x="1028752" y="1442488"/>
+            <a:ext cx="4032448" cy="4801314"/>
+          </a:xfrm>
+          <a:prstGeom prst="rect">
+            <a:avLst/>
+          </a:prstGeom>
+          <a:noFill/>
+        </p:spPr>
+        <p:txBody>
+          <a:bodyPr wrap="square" rtlCol="0">
+            <a:spAutoFit/>
+          </a:bodyPr>
+          <a:lstStyle/>
+          <a:p>
+            <a:r>
+              <a:rPr lang="nl-NL" b="1" dirty="0" smtClean="0">
+                <a:solidFill>
+                  <a:schemeClr val="tx2">
+                    <a:lumMod val="60000"/>
+                    <a:lumOff val="40000"/>
+                  </a:schemeClr>
+                </a:solidFill>
+              </a:rPr>
+              <a:t>Data</a:t>
+            </a:r>
+          </a:p>
+          <a:p>
+            <a:endParaRPr lang="nl-NL" dirty="0" smtClean="0">
+              <a:solidFill>
+                <a:schemeClr val="tx2">
+                  <a:lumMod val="60000"/>
+                  <a:lumOff val="40000"/>
+                </a:schemeClr>
+              </a:solidFill>
+            </a:endParaRPr>
+          </a:p>
+          <a:p>
+            <a:r>
+              <a:rPr lang="nl-NL" dirty="0" smtClean="0">
+                <a:solidFill>
+                  <a:schemeClr val="tx2">
+                    <a:lumMod val="60000"/>
+                    <a:lumOff val="40000"/>
+                  </a:schemeClr>
+                </a:solidFill>
+              </a:rPr>
+              <a:t>In plaats van vacatures kunnen de vragen die op stackoverflow staan mogelijk een betere indicator zijn voor trends.</a:t>
+            </a:r>
+          </a:p>
+          <a:p>
+            <a:endParaRPr lang="nl-NL" dirty="0">
+              <a:solidFill>
+                <a:schemeClr val="tx2">
+                  <a:lumMod val="60000"/>
+                  <a:lumOff val="40000"/>
+                </a:schemeClr>
+              </a:solidFill>
+            </a:endParaRPr>
+          </a:p>
+          <a:p>
+            <a:r>
+              <a:rPr lang="nl-NL" b="1" dirty="0" smtClean="0">
+                <a:solidFill>
+                  <a:schemeClr val="tx2">
+                    <a:lumMod val="60000"/>
+                    <a:lumOff val="40000"/>
+                  </a:schemeClr>
+                </a:solidFill>
+              </a:rPr>
+              <a:t>Model  </a:t>
+            </a:r>
+          </a:p>
+          <a:p>
+            <a:endParaRPr lang="nl-NL" dirty="0">
+              <a:solidFill>
+                <a:schemeClr val="tx2">
+                  <a:lumMod val="60000"/>
+                  <a:lumOff val="40000"/>
+                </a:schemeClr>
+              </a:solidFill>
+            </a:endParaRPr>
+          </a:p>
+          <a:p>
+            <a:r>
+              <a:rPr lang="nl-NL" dirty="0" smtClean="0">
+                <a:solidFill>
+                  <a:schemeClr val="tx2">
+                    <a:lumMod val="60000"/>
+                    <a:lumOff val="40000"/>
+                  </a:schemeClr>
+                </a:solidFill>
+              </a:rPr>
+              <a:t>LDA is waarschijnlijk niet het beste model. Word2vec wat gebruikt maakt van een neural network is mogelijk in staat om betere resultaten te geven.</a:t>
+            </a:r>
+          </a:p>
+          <a:p>
+            <a:endParaRPr lang="nl-NL" dirty="0">
+              <a:solidFill>
+                <a:schemeClr val="tx2">
+                  <a:lumMod val="60000"/>
+                  <a:lumOff val="40000"/>
+                </a:schemeClr>
+              </a:solidFill>
+            </a:endParaRPr>
+          </a:p>
+          <a:p>
+            <a:r>
+              <a:rPr lang="nl-NL" b="1" dirty="0" smtClean="0">
+                <a:solidFill>
+                  <a:schemeClr val="tx2">
+                    <a:lumMod val="60000"/>
+                    <a:lumOff val="40000"/>
+                  </a:schemeClr>
+                </a:solidFill>
+              </a:rPr>
+              <a:t>Algemeen</a:t>
+            </a:r>
+          </a:p>
+          <a:p>
+            <a:endParaRPr lang="nl-NL" dirty="0">
+              <a:solidFill>
+                <a:schemeClr val="tx2">
+                  <a:lumMod val="60000"/>
+                  <a:lumOff val="40000"/>
+                </a:schemeClr>
+              </a:solidFill>
+            </a:endParaRPr>
+          </a:p>
+          <a:p>
+            <a:r>
+              <a:rPr lang="nl-NL" dirty="0" smtClean="0">
+                <a:solidFill>
+                  <a:schemeClr val="tx2">
+                    <a:lumMod val="60000"/>
+                    <a:lumOff val="40000"/>
+                  </a:schemeClr>
+                </a:solidFill>
+              </a:rPr>
+              <a:t>History opbouw is essentieel voor lange termijn trends spotten.</a:t>
+            </a:r>
+            <a:endParaRPr lang="nl-NL" dirty="0">
+              <a:solidFill>
+                <a:schemeClr val="tx2">
+                  <a:lumMod val="60000"/>
+                  <a:lumOff val="40000"/>
+                </a:schemeClr>
+              </a:solidFill>
+            </a:endParaRPr>
           </a:p>
         </p:txBody>
       </p:sp>
